--- a/Lab 2 ppt.pptx
+++ b/Lab 2 ppt.pptx
@@ -5,13 +5,16 @@
     <p:sldMasterId id="2147483648" r:id="rId1"/>
   </p:sldMasterIdLst>
   <p:notesMasterIdLst>
-    <p:notesMasterId r:id="rId6"/>
+    <p:notesMasterId r:id="rId9"/>
   </p:notesMasterIdLst>
   <p:sldIdLst>
     <p:sldId id="257" r:id="rId2"/>
     <p:sldId id="260" r:id="rId3"/>
     <p:sldId id="261" r:id="rId4"/>
-    <p:sldId id="256" r:id="rId5"/>
+    <p:sldId id="262" r:id="rId5"/>
+    <p:sldId id="263" r:id="rId6"/>
+    <p:sldId id="264" r:id="rId7"/>
+    <p:sldId id="256" r:id="rId8"/>
   </p:sldIdLst>
   <p:sldSz cx="12192000" cy="6858000"/>
   <p:notesSz cx="6858000" cy="9144000"/>
@@ -1747,8 +1750,66 @@
                   <a:srgbClr val="2850A3"/>
                 </a:solidFill>
               </a:rPr>
-              <a:t>Prototyping</a:t>
-            </a:r>
+              <a:t>Signal Acquisition</a:t>
+            </a:r>
+          </a:p>
+        </p:txBody>
+      </p:sp>
+      <p:sp>
+        <p:nvSpPr>
+          <p:cNvPr id="3" name="TextBox 2">
+            <a:extLst>
+              <a:ext uri="{FF2B5EF4-FFF2-40B4-BE49-F238E27FC236}">
+                <a16:creationId xmlns:a16="http://schemas.microsoft.com/office/drawing/2014/main" id="{95868959-1DCC-274B-BBE1-02185CF253FE}"/>
+              </a:ext>
+            </a:extLst>
+          </p:cNvPr>
+          <p:cNvSpPr txBox="1"/>
+          <p:nvPr/>
+        </p:nvSpPr>
+        <p:spPr>
+          <a:xfrm>
+            <a:off x="838200" y="2129742"/>
+            <a:ext cx="5134337" cy="646331"/>
+          </a:xfrm>
+          <a:prstGeom prst="rect">
+            <a:avLst/>
+          </a:prstGeom>
+          <a:noFill/>
+        </p:spPr>
+        <p:txBody>
+          <a:bodyPr wrap="square" rtlCol="0">
+            <a:spAutoFit/>
+          </a:bodyPr>
+          <a:lstStyle/>
+          <a:p>
+            <a:pPr marL="285750" indent="-285750">
+              <a:buFont typeface="Arial" panose="020B0604020202020204" pitchFamily="34" charset="0"/>
+              <a:buChar char="•"/>
+            </a:pPr>
+            <a:r>
+              <a:rPr lang="en-US" dirty="0">
+                <a:solidFill>
+                  <a:schemeClr val="accent1">
+                    <a:lumMod val="75000"/>
+                  </a:schemeClr>
+                </a:solidFill>
+              </a:rPr>
+              <a:t>Receive BPM from the device via Arduino</a:t>
+            </a:r>
+          </a:p>
+          <a:p>
+            <a:pPr marL="285750" indent="-285750">
+              <a:buFont typeface="Arial" panose="020B0604020202020204" pitchFamily="34" charset="0"/>
+              <a:buChar char="•"/>
+            </a:pPr>
+            <a:endParaRPr lang="en-US" dirty="0">
+              <a:solidFill>
+                <a:schemeClr val="accent1">
+                  <a:lumMod val="75000"/>
+                </a:schemeClr>
+              </a:solidFill>
+            </a:endParaRPr>
           </a:p>
         </p:txBody>
       </p:sp>
@@ -1766,6 +1827,348 @@
 </file>
 
 <file path=ppt/slides/slide4.xml><?xml version="1.0" encoding="utf-8"?>
+<p:sld xmlns:a="http://schemas.openxmlformats.org/drawingml/2006/main" xmlns:r="http://schemas.openxmlformats.org/officeDocument/2006/relationships" xmlns:p="http://schemas.openxmlformats.org/presentationml/2006/main">
+  <p:cSld>
+    <p:spTree>
+      <p:nvGrpSpPr>
+        <p:cNvPr id="1" name=""/>
+        <p:cNvGrpSpPr/>
+        <p:nvPr/>
+      </p:nvGrpSpPr>
+      <p:grpSpPr>
+        <a:xfrm>
+          <a:off x="0" y="0"/>
+          <a:ext cx="0" cy="0"/>
+          <a:chOff x="0" y="0"/>
+          <a:chExt cx="0" cy="0"/>
+        </a:xfrm>
+      </p:grpSpPr>
+      <p:sp>
+        <p:nvSpPr>
+          <p:cNvPr id="2" name="Title 1"/>
+          <p:cNvSpPr>
+            <a:spLocks noGrp="1"/>
+          </p:cNvSpPr>
+          <p:nvPr>
+            <p:ph type="title"/>
+          </p:nvPr>
+        </p:nvSpPr>
+        <p:spPr/>
+        <p:txBody>
+          <a:bodyPr/>
+          <a:lstStyle/>
+          <a:p>
+            <a:r>
+              <a:rPr lang="en-US" dirty="0">
+                <a:solidFill>
+                  <a:srgbClr val="2850A3"/>
+                </a:solidFill>
+              </a:rPr>
+              <a:t>Computations</a:t>
+            </a:r>
+          </a:p>
+        </p:txBody>
+      </p:sp>
+      <p:sp>
+        <p:nvSpPr>
+          <p:cNvPr id="3" name="TextBox 2">
+            <a:extLst>
+              <a:ext uri="{FF2B5EF4-FFF2-40B4-BE49-F238E27FC236}">
+                <a16:creationId xmlns:a16="http://schemas.microsoft.com/office/drawing/2014/main" id="{95868959-1DCC-274B-BBE1-02185CF253FE}"/>
+              </a:ext>
+            </a:extLst>
+          </p:cNvPr>
+          <p:cNvSpPr txBox="1"/>
+          <p:nvPr/>
+        </p:nvSpPr>
+        <p:spPr>
+          <a:xfrm>
+            <a:off x="838200" y="2129742"/>
+            <a:ext cx="5134337" cy="646331"/>
+          </a:xfrm>
+          <a:prstGeom prst="rect">
+            <a:avLst/>
+          </a:prstGeom>
+          <a:noFill/>
+        </p:spPr>
+        <p:txBody>
+          <a:bodyPr wrap="square" rtlCol="0">
+            <a:spAutoFit/>
+          </a:bodyPr>
+          <a:lstStyle/>
+          <a:p>
+            <a:pPr marL="285750" indent="-285750">
+              <a:buFont typeface="Arial" panose="020B0604020202020204" pitchFamily="34" charset="0"/>
+              <a:buChar char="•"/>
+            </a:pPr>
+            <a:r>
+              <a:rPr lang="en-US" dirty="0">
+                <a:solidFill>
+                  <a:schemeClr val="accent1">
+                    <a:lumMod val="75000"/>
+                  </a:schemeClr>
+                </a:solidFill>
+              </a:rPr>
+              <a:t>Heart Rate computation and Time between beats</a:t>
+            </a:r>
+          </a:p>
+          <a:p>
+            <a:pPr marL="285750" indent="-285750">
+              <a:buFont typeface="Arial" panose="020B0604020202020204" pitchFamily="34" charset="0"/>
+              <a:buChar char="•"/>
+            </a:pPr>
+            <a:endParaRPr lang="en-US" dirty="0">
+              <a:solidFill>
+                <a:schemeClr val="accent1">
+                  <a:lumMod val="75000"/>
+                </a:schemeClr>
+              </a:solidFill>
+            </a:endParaRPr>
+          </a:p>
+        </p:txBody>
+      </p:sp>
+    </p:spTree>
+    <p:extLst>
+      <p:ext uri="{BB962C8B-B14F-4D97-AF65-F5344CB8AC3E}">
+        <p14:creationId xmlns:p14="http://schemas.microsoft.com/office/powerpoint/2010/main" val="1614065169"/>
+      </p:ext>
+    </p:extLst>
+  </p:cSld>
+  <p:clrMapOvr>
+    <a:masterClrMapping/>
+  </p:clrMapOvr>
+</p:sld>
+</file>
+
+<file path=ppt/slides/slide5.xml><?xml version="1.0" encoding="utf-8"?>
+<p:sld xmlns:a="http://schemas.openxmlformats.org/drawingml/2006/main" xmlns:r="http://schemas.openxmlformats.org/officeDocument/2006/relationships" xmlns:p="http://schemas.openxmlformats.org/presentationml/2006/main">
+  <p:cSld>
+    <p:spTree>
+      <p:nvGrpSpPr>
+        <p:cNvPr id="1" name=""/>
+        <p:cNvGrpSpPr/>
+        <p:nvPr/>
+      </p:nvGrpSpPr>
+      <p:grpSpPr>
+        <a:xfrm>
+          <a:off x="0" y="0"/>
+          <a:ext cx="0" cy="0"/>
+          <a:chOff x="0" y="0"/>
+          <a:chExt cx="0" cy="0"/>
+        </a:xfrm>
+      </p:grpSpPr>
+      <p:sp>
+        <p:nvSpPr>
+          <p:cNvPr id="2" name="Title 1"/>
+          <p:cNvSpPr>
+            <a:spLocks noGrp="1"/>
+          </p:cNvSpPr>
+          <p:nvPr>
+            <p:ph type="title"/>
+          </p:nvPr>
+        </p:nvSpPr>
+        <p:spPr/>
+        <p:txBody>
+          <a:bodyPr/>
+          <a:lstStyle/>
+          <a:p>
+            <a:r>
+              <a:rPr lang="en-US" dirty="0">
+                <a:solidFill>
+                  <a:srgbClr val="2850A3"/>
+                </a:solidFill>
+              </a:rPr>
+              <a:t>Poincare Plot</a:t>
+            </a:r>
+          </a:p>
+        </p:txBody>
+      </p:sp>
+      <p:sp>
+        <p:nvSpPr>
+          <p:cNvPr id="3" name="TextBox 2">
+            <a:extLst>
+              <a:ext uri="{FF2B5EF4-FFF2-40B4-BE49-F238E27FC236}">
+                <a16:creationId xmlns:a16="http://schemas.microsoft.com/office/drawing/2014/main" id="{95868959-1DCC-274B-BBE1-02185CF253FE}"/>
+              </a:ext>
+            </a:extLst>
+          </p:cNvPr>
+          <p:cNvSpPr txBox="1"/>
+          <p:nvPr/>
+        </p:nvSpPr>
+        <p:spPr>
+          <a:xfrm>
+            <a:off x="838200" y="2129742"/>
+            <a:ext cx="5134337" cy="646331"/>
+          </a:xfrm>
+          <a:prstGeom prst="rect">
+            <a:avLst/>
+          </a:prstGeom>
+          <a:noFill/>
+        </p:spPr>
+        <p:txBody>
+          <a:bodyPr wrap="square" rtlCol="0">
+            <a:spAutoFit/>
+          </a:bodyPr>
+          <a:lstStyle/>
+          <a:p>
+            <a:pPr marL="285750" indent="-285750">
+              <a:buFont typeface="Arial" panose="020B0604020202020204" pitchFamily="34" charset="0"/>
+              <a:buChar char="•"/>
+            </a:pPr>
+            <a:r>
+              <a:rPr lang="en-US" dirty="0">
+                <a:solidFill>
+                  <a:schemeClr val="accent1">
+                    <a:lumMod val="75000"/>
+                  </a:schemeClr>
+                </a:solidFill>
+              </a:rPr>
+              <a:t>To create the heartrate variability</a:t>
+            </a:r>
+          </a:p>
+          <a:p>
+            <a:pPr marL="285750" indent="-285750">
+              <a:buFont typeface="Arial" panose="020B0604020202020204" pitchFamily="34" charset="0"/>
+              <a:buChar char="•"/>
+            </a:pPr>
+            <a:endParaRPr lang="en-US" dirty="0">
+              <a:solidFill>
+                <a:schemeClr val="accent1">
+                  <a:lumMod val="75000"/>
+                </a:schemeClr>
+              </a:solidFill>
+            </a:endParaRPr>
+          </a:p>
+        </p:txBody>
+      </p:sp>
+    </p:spTree>
+    <p:extLst>
+      <p:ext uri="{BB962C8B-B14F-4D97-AF65-F5344CB8AC3E}">
+        <p14:creationId xmlns:p14="http://schemas.microsoft.com/office/powerpoint/2010/main" val="552180237"/>
+      </p:ext>
+    </p:extLst>
+  </p:cSld>
+  <p:clrMapOvr>
+    <a:masterClrMapping/>
+  </p:clrMapOvr>
+</p:sld>
+</file>
+
+<file path=ppt/slides/slide6.xml><?xml version="1.0" encoding="utf-8"?>
+<p:sld xmlns:a="http://schemas.openxmlformats.org/drawingml/2006/main" xmlns:r="http://schemas.openxmlformats.org/officeDocument/2006/relationships" xmlns:p="http://schemas.openxmlformats.org/presentationml/2006/main">
+  <p:cSld>
+    <p:spTree>
+      <p:nvGrpSpPr>
+        <p:cNvPr id="1" name=""/>
+        <p:cNvGrpSpPr/>
+        <p:nvPr/>
+      </p:nvGrpSpPr>
+      <p:grpSpPr>
+        <a:xfrm>
+          <a:off x="0" y="0"/>
+          <a:ext cx="0" cy="0"/>
+          <a:chOff x="0" y="0"/>
+          <a:chExt cx="0" cy="0"/>
+        </a:xfrm>
+      </p:grpSpPr>
+      <p:sp>
+        <p:nvSpPr>
+          <p:cNvPr id="2" name="Title 1"/>
+          <p:cNvSpPr>
+            <a:spLocks noGrp="1"/>
+          </p:cNvSpPr>
+          <p:nvPr>
+            <p:ph type="title"/>
+          </p:nvPr>
+        </p:nvSpPr>
+        <p:spPr/>
+        <p:txBody>
+          <a:bodyPr/>
+          <a:lstStyle/>
+          <a:p>
+            <a:r>
+              <a:rPr lang="en-US" dirty="0">
+                <a:solidFill>
+                  <a:srgbClr val="2850A3"/>
+                </a:solidFill>
+              </a:rPr>
+              <a:t>Final Device</a:t>
+            </a:r>
+          </a:p>
+        </p:txBody>
+      </p:sp>
+      <p:sp>
+        <p:nvSpPr>
+          <p:cNvPr id="3" name="TextBox 2">
+            <a:extLst>
+              <a:ext uri="{FF2B5EF4-FFF2-40B4-BE49-F238E27FC236}">
+                <a16:creationId xmlns:a16="http://schemas.microsoft.com/office/drawing/2014/main" id="{95868959-1DCC-274B-BBE1-02185CF253FE}"/>
+              </a:ext>
+            </a:extLst>
+          </p:cNvPr>
+          <p:cNvSpPr txBox="1"/>
+          <p:nvPr/>
+        </p:nvSpPr>
+        <p:spPr>
+          <a:xfrm>
+            <a:off x="838200" y="2129742"/>
+            <a:ext cx="5134337" cy="646331"/>
+          </a:xfrm>
+          <a:prstGeom prst="rect">
+            <a:avLst/>
+          </a:prstGeom>
+          <a:noFill/>
+        </p:spPr>
+        <p:txBody>
+          <a:bodyPr wrap="square" rtlCol="0">
+            <a:spAutoFit/>
+          </a:bodyPr>
+          <a:lstStyle/>
+          <a:p>
+            <a:pPr marL="285750" indent="-285750">
+              <a:buFont typeface="Arial" panose="020B0604020202020204" pitchFamily="34" charset="0"/>
+              <a:buChar char="•"/>
+            </a:pPr>
+            <a:r>
+              <a:rPr lang="en-US" dirty="0">
+                <a:solidFill>
+                  <a:schemeClr val="accent1">
+                    <a:lumMod val="75000"/>
+                  </a:schemeClr>
+                </a:solidFill>
+              </a:rPr>
+              <a:t>Housing of the device</a:t>
+            </a:r>
+          </a:p>
+          <a:p>
+            <a:pPr marL="285750" indent="-285750">
+              <a:buFont typeface="Arial" panose="020B0604020202020204" pitchFamily="34" charset="0"/>
+              <a:buChar char="•"/>
+            </a:pPr>
+            <a:endParaRPr lang="en-US" dirty="0">
+              <a:solidFill>
+                <a:schemeClr val="accent1">
+                  <a:lumMod val="75000"/>
+                </a:schemeClr>
+              </a:solidFill>
+            </a:endParaRPr>
+          </a:p>
+        </p:txBody>
+      </p:sp>
+    </p:spTree>
+    <p:extLst>
+      <p:ext uri="{BB962C8B-B14F-4D97-AF65-F5344CB8AC3E}">
+        <p14:creationId xmlns:p14="http://schemas.microsoft.com/office/powerpoint/2010/main" val="2815084926"/>
+      </p:ext>
+    </p:extLst>
+  </p:cSld>
+  <p:clrMapOvr>
+    <a:masterClrMapping/>
+  </p:clrMapOvr>
+</p:sld>
+</file>
+
+<file path=ppt/slides/slide7.xml><?xml version="1.0" encoding="utf-8"?>
 <p:sld xmlns:a="http://schemas.openxmlformats.org/drawingml/2006/main" xmlns:r="http://schemas.openxmlformats.org/officeDocument/2006/relationships" xmlns:p="http://schemas.openxmlformats.org/presentationml/2006/main">
   <p:cSld>
     <p:spTree>

--- a/Lab 2 ppt.pptx
+++ b/Lab 2 ppt.pptx
@@ -2197,8 +2197,8 @@
         </p:nvSpPr>
         <p:spPr>
           <a:xfrm>
-            <a:off x="0" y="1122363"/>
-            <a:ext cx="12192000" cy="1034683"/>
+            <a:off x="3271777" y="2344384"/>
+            <a:ext cx="5648446" cy="1034683"/>
           </a:xfrm>
         </p:spPr>
         <p:txBody>
@@ -2208,10 +2208,9 @@
           <a:lstStyle/>
           <a:p>
             <a:r>
-              <a:rPr lang="en-US"/>
-              <a:t>QUESTIONS</a:t>
-            </a:r>
-            <a:endParaRPr lang="en-US" dirty="0"/>
+              <a:rPr lang="en-US" dirty="0"/>
+              <a:t>Thank You</a:t>
+            </a:r>
           </a:p>
         </p:txBody>
       </p:sp>
@@ -2239,7 +2238,7 @@
           <a:p>
             <a:r>
               <a:rPr lang="en-US" dirty="0"/>
-              <a:t>College of Name  |  Department of Name</a:t>
+              <a:t>College of Engineering |  Bioengineering &amp; Computer Science</a:t>
             </a:r>
           </a:p>
         </p:txBody>

--- a/Lab 2 ppt.pptx
+++ b/Lab 2 ppt.pptx
@@ -203,7 +203,7 @@
           <a:p>
             <a:fld id="{FF95574C-6F45-6042-97A7-9BBE6C2E37B4}" type="datetimeFigureOut">
               <a:rPr lang="en-US" smtClean="0"/>
-              <a:t>10/28/19</a:t>
+              <a:t>10/28/2019</a:t>
             </a:fld>
             <a:endParaRPr lang="en-US"/>
           </a:p>
@@ -1553,6 +1553,66 @@
           <a:chExt cx="0" cy="0"/>
         </a:xfrm>
       </p:grpSpPr>
+      <p:pic>
+        <p:nvPicPr>
+          <p:cNvPr id="5" name="Picture 4" descr="A close up of a logo&#10;&#10;Description automatically generated">
+            <a:extLst>
+              <a:ext uri="{FF2B5EF4-FFF2-40B4-BE49-F238E27FC236}">
+                <a16:creationId xmlns:a16="http://schemas.microsoft.com/office/drawing/2014/main" id="{F4BA3D1A-3E43-4D26-9CD8-68894C5C8F60}"/>
+              </a:ext>
+            </a:extLst>
+          </p:cNvPr>
+          <p:cNvPicPr>
+            <a:picLocks noChangeAspect="1"/>
+          </p:cNvPicPr>
+          <p:nvPr/>
+        </p:nvPicPr>
+        <p:blipFill>
+          <a:blip r:embed="rId2"/>
+          <a:stretch>
+            <a:fillRect/>
+          </a:stretch>
+        </p:blipFill>
+        <p:spPr>
+          <a:xfrm>
+            <a:off x="3454844" y="3001818"/>
+            <a:ext cx="6680866" cy="4039593"/>
+          </a:xfrm>
+          <a:prstGeom prst="rect">
+            <a:avLst/>
+          </a:prstGeom>
+        </p:spPr>
+      </p:pic>
+      <p:pic>
+        <p:nvPicPr>
+          <p:cNvPr id="7" name="Picture 6" descr="A close up of a logo&#10;&#10;Description automatically generated">
+            <a:extLst>
+              <a:ext uri="{FF2B5EF4-FFF2-40B4-BE49-F238E27FC236}">
+                <a16:creationId xmlns:a16="http://schemas.microsoft.com/office/drawing/2014/main" id="{8D79C8BC-384D-4799-9869-4897C47653C1}"/>
+              </a:ext>
+            </a:extLst>
+          </p:cNvPr>
+          <p:cNvPicPr>
+            <a:picLocks noChangeAspect="1"/>
+          </p:cNvPicPr>
+          <p:nvPr/>
+        </p:nvPicPr>
+        <p:blipFill>
+          <a:blip r:embed="rId3"/>
+          <a:stretch>
+            <a:fillRect/>
+          </a:stretch>
+        </p:blipFill>
+        <p:spPr>
+          <a:xfrm>
+            <a:off x="3968217" y="1377533"/>
+            <a:ext cx="5899640" cy="3567224"/>
+          </a:xfrm>
+          <a:prstGeom prst="rect">
+            <a:avLst/>
+          </a:prstGeom>
+        </p:spPr>
+      </p:pic>
     </p:spTree>
     <p:extLst>
       <p:ext uri="{BB962C8B-B14F-4D97-AF65-F5344CB8AC3E}">
@@ -1631,12 +1691,38 @@
         </p:blipFill>
         <p:spPr>
           <a:xfrm rot="5400000">
-            <a:off x="8658962" y="807772"/>
+            <a:off x="8730679" y="1220148"/>
             <a:ext cx="2309862" cy="3079816"/>
           </a:xfrm>
-          <a:prstGeom prst="rect">
-            <a:avLst/>
+          <a:prstGeom prst="roundRect">
+            <a:avLst>
+              <a:gd name="adj" fmla="val 4167"/>
+            </a:avLst>
           </a:prstGeom>
+          <a:solidFill>
+            <a:srgbClr val="FFFFFF"/>
+          </a:solidFill>
+          <a:ln w="76200" cap="sq">
+            <a:solidFill>
+              <a:srgbClr val="EAEAEA"/>
+            </a:solidFill>
+            <a:miter lim="800000"/>
+          </a:ln>
+          <a:effectLst>
+            <a:reflection blurRad="12700" stA="33000" endPos="28000" dist="5000" dir="5400000" sy="-100000" algn="bl" rotWithShape="0"/>
+          </a:effectLst>
+          <a:scene3d>
+            <a:camera prst="orthographicFront"/>
+            <a:lightRig rig="threePt" dir="t">
+              <a:rot lat="0" lon="0" rev="2700000"/>
+            </a:lightRig>
+          </a:scene3d>
+          <a:sp3d contourW="6350">
+            <a:bevelT h="38100"/>
+            <a:contourClr>
+              <a:srgbClr val="C0C0C0"/>
+            </a:contourClr>
+          </a:sp3d>
         </p:spPr>
       </p:pic>
       <p:pic>
@@ -1661,12 +1747,38 @@
         </p:blipFill>
         <p:spPr>
           <a:xfrm rot="5400000">
-            <a:off x="1223177" y="807772"/>
+            <a:off x="1151459" y="1305711"/>
             <a:ext cx="2309861" cy="3079815"/>
           </a:xfrm>
-          <a:prstGeom prst="rect">
-            <a:avLst/>
+          <a:prstGeom prst="roundRect">
+            <a:avLst>
+              <a:gd name="adj" fmla="val 4167"/>
+            </a:avLst>
           </a:prstGeom>
+          <a:solidFill>
+            <a:srgbClr val="FFFFFF"/>
+          </a:solidFill>
+          <a:ln w="76200" cap="sq">
+            <a:solidFill>
+              <a:srgbClr val="EAEAEA"/>
+            </a:solidFill>
+            <a:miter lim="800000"/>
+          </a:ln>
+          <a:effectLst>
+            <a:reflection blurRad="12700" stA="33000" endPos="28000" dist="5000" dir="5400000" sy="-100000" algn="bl" rotWithShape="0"/>
+          </a:effectLst>
+          <a:scene3d>
+            <a:camera prst="orthographicFront"/>
+            <a:lightRig rig="threePt" dir="t">
+              <a:rot lat="0" lon="0" rev="2700000"/>
+            </a:lightRig>
+          </a:scene3d>
+          <a:sp3d contourW="6350">
+            <a:bevelT h="38100"/>
+            <a:contourClr>
+              <a:srgbClr val="C0C0C0"/>
+            </a:contourClr>
+          </a:sp3d>
         </p:spPr>
       </p:pic>
       <p:pic>
@@ -1691,14 +1803,163 @@
         </p:blipFill>
         <p:spPr>
           <a:xfrm rot="5400000">
-            <a:off x="4605168" y="2650131"/>
+            <a:off x="4569309" y="1601261"/>
             <a:ext cx="2981664" cy="3975552"/>
+          </a:xfrm>
+          <a:prstGeom prst="roundRect">
+            <a:avLst>
+              <a:gd name="adj" fmla="val 4167"/>
+            </a:avLst>
+          </a:prstGeom>
+          <a:solidFill>
+            <a:srgbClr val="FFFFFF"/>
+          </a:solidFill>
+          <a:ln w="76200" cap="sq">
+            <a:solidFill>
+              <a:srgbClr val="EAEAEA"/>
+            </a:solidFill>
+            <a:miter lim="800000"/>
+          </a:ln>
+          <a:effectLst>
+            <a:reflection blurRad="12700" stA="33000" endPos="28000" dist="5000" dir="5400000" sy="-100000" algn="bl" rotWithShape="0"/>
+          </a:effectLst>
+          <a:scene3d>
+            <a:camera prst="orthographicFront"/>
+            <a:lightRig rig="threePt" dir="t">
+              <a:rot lat="0" lon="0" rev="2700000"/>
+            </a:lightRig>
+          </a:scene3d>
+          <a:sp3d contourW="6350">
+            <a:bevelT h="38100"/>
+            <a:contourClr>
+              <a:srgbClr val="C0C0C0"/>
+            </a:contourClr>
+          </a:sp3d>
+        </p:spPr>
+      </p:pic>
+      <p:sp>
+        <p:nvSpPr>
+          <p:cNvPr id="3" name="TextBox 2">
+            <a:extLst>
+              <a:ext uri="{FF2B5EF4-FFF2-40B4-BE49-F238E27FC236}">
+                <a16:creationId xmlns:a16="http://schemas.microsoft.com/office/drawing/2014/main" id="{8AD6C343-7986-4EFF-BDAF-8CDA89E0A9DF}"/>
+              </a:ext>
+            </a:extLst>
+          </p:cNvPr>
+          <p:cNvSpPr txBox="1"/>
+          <p:nvPr/>
+        </p:nvSpPr>
+        <p:spPr>
+          <a:xfrm>
+            <a:off x="766482" y="4136322"/>
+            <a:ext cx="2944906" cy="400110"/>
           </a:xfrm>
           <a:prstGeom prst="rect">
             <a:avLst/>
           </a:prstGeom>
-        </p:spPr>
-      </p:pic>
+          <a:noFill/>
+        </p:spPr>
+        <p:txBody>
+          <a:bodyPr wrap="square" rtlCol="0">
+            <a:spAutoFit/>
+          </a:bodyPr>
+          <a:lstStyle/>
+          <a:p>
+            <a:pPr algn="ctr"/>
+            <a:r>
+              <a:rPr lang="en-US" sz="2000" dirty="0">
+                <a:solidFill>
+                  <a:srgbClr val="2850A3"/>
+                </a:solidFill>
+                <a:latin typeface="Abadi" panose="020B0604020104020204" pitchFamily="34" charset="0"/>
+              </a:rPr>
+              <a:t>Text</a:t>
+            </a:r>
+          </a:p>
+        </p:txBody>
+      </p:sp>
+      <p:sp>
+        <p:nvSpPr>
+          <p:cNvPr id="7" name="TextBox 6">
+            <a:extLst>
+              <a:ext uri="{FF2B5EF4-FFF2-40B4-BE49-F238E27FC236}">
+                <a16:creationId xmlns:a16="http://schemas.microsoft.com/office/drawing/2014/main" id="{76B2A523-51A2-46AD-8F23-1C7FA77748F8}"/>
+              </a:ext>
+            </a:extLst>
+          </p:cNvPr>
+          <p:cNvSpPr txBox="1"/>
+          <p:nvPr/>
+        </p:nvSpPr>
+        <p:spPr>
+          <a:xfrm>
+            <a:off x="4623547" y="5141355"/>
+            <a:ext cx="2944906" cy="400110"/>
+          </a:xfrm>
+          <a:prstGeom prst="rect">
+            <a:avLst/>
+          </a:prstGeom>
+          <a:noFill/>
+        </p:spPr>
+        <p:txBody>
+          <a:bodyPr wrap="square" rtlCol="0">
+            <a:spAutoFit/>
+          </a:bodyPr>
+          <a:lstStyle/>
+          <a:p>
+            <a:pPr algn="ctr"/>
+            <a:r>
+              <a:rPr lang="en-US" sz="2000" dirty="0">
+                <a:solidFill>
+                  <a:srgbClr val="2850A3"/>
+                </a:solidFill>
+                <a:latin typeface="Abadi" panose="020B0604020104020204" pitchFamily="34" charset="0"/>
+              </a:rPr>
+              <a:t>Text</a:t>
+            </a:r>
+          </a:p>
+        </p:txBody>
+      </p:sp>
+      <p:sp>
+        <p:nvSpPr>
+          <p:cNvPr id="9" name="TextBox 8">
+            <a:extLst>
+              <a:ext uri="{FF2B5EF4-FFF2-40B4-BE49-F238E27FC236}">
+                <a16:creationId xmlns:a16="http://schemas.microsoft.com/office/drawing/2014/main" id="{82DFBC2A-A995-43C2-97B0-B556555C5490}"/>
+              </a:ext>
+            </a:extLst>
+          </p:cNvPr>
+          <p:cNvSpPr txBox="1"/>
+          <p:nvPr/>
+        </p:nvSpPr>
+        <p:spPr>
+          <a:xfrm>
+            <a:off x="8413157" y="4000550"/>
+            <a:ext cx="2944906" cy="400110"/>
+          </a:xfrm>
+          <a:prstGeom prst="rect">
+            <a:avLst/>
+          </a:prstGeom>
+          <a:noFill/>
+        </p:spPr>
+        <p:txBody>
+          <a:bodyPr wrap="square" rtlCol="0">
+            <a:spAutoFit/>
+          </a:bodyPr>
+          <a:lstStyle/>
+          <a:p>
+            <a:pPr algn="ctr"/>
+            <a:r>
+              <a:rPr lang="en-US" sz="2000" dirty="0">
+                <a:solidFill>
+                  <a:srgbClr val="2850A3"/>
+                </a:solidFill>
+                <a:latin typeface="Abadi" panose="020B0604020104020204" pitchFamily="34" charset="0"/>
+              </a:rPr>
+              <a:t>Text</a:t>
+            </a:r>
+          </a:p>
+        </p:txBody>
+      </p:sp>
     </p:spTree>
     <p:extLst>
       <p:ext uri="{BB962C8B-B14F-4D97-AF65-F5344CB8AC3E}">

--- a/Lab 2 ppt.pptx
+++ b/Lab 2 ppt.pptx
@@ -2372,8 +2372,8 @@
         </p:nvSpPr>
         <p:spPr>
           <a:xfrm>
-            <a:off x="838200" y="2129742"/>
-            <a:ext cx="5134337" cy="646331"/>
+            <a:off x="1274618" y="4749066"/>
+            <a:ext cx="3701430" cy="369332"/>
           </a:xfrm>
           <a:prstGeom prst="rect">
             <a:avLst/>
@@ -2386,12 +2386,9 @@
           </a:bodyPr>
           <a:lstStyle/>
           <a:p>
-            <a:pPr marL="285750" indent="-285750">
-              <a:buFont typeface="Arial" panose="020B0604020202020204" pitchFamily="34" charset="0"/>
-              <a:buChar char="•"/>
-            </a:pPr>
-            <a:r>
-              <a:rPr lang="en-US" dirty="0">
+            <a:pPr algn="ctr"/>
+            <a:r>
+              <a:rPr lang="en-US" b="1" dirty="0">
                 <a:solidFill>
                   <a:schemeClr val="accent1">
                     <a:lumMod val="75000"/>
@@ -2401,21 +2398,44 @@
               <a:t>Housing of the device</a:t>
             </a:r>
           </a:p>
-          <a:p>
-            <a:pPr marL="285750" indent="-285750">
-              <a:buFont typeface="Arial" panose="020B0604020202020204" pitchFamily="34" charset="0"/>
-              <a:buChar char="•"/>
-            </a:pPr>
-            <a:endParaRPr lang="en-US" dirty="0">
-              <a:solidFill>
-                <a:schemeClr val="accent1">
-                  <a:lumMod val="75000"/>
-                </a:schemeClr>
-              </a:solidFill>
-            </a:endParaRPr>
-          </a:p>
         </p:txBody>
       </p:sp>
+      <p:pic>
+        <p:nvPicPr>
+          <p:cNvPr id="7" name="Picture 6" descr="A picture containing indoor, sitting, table, small&#10;&#10;Description automatically generated">
+            <a:extLst>
+              <a:ext uri="{FF2B5EF4-FFF2-40B4-BE49-F238E27FC236}">
+                <a16:creationId xmlns:a16="http://schemas.microsoft.com/office/drawing/2014/main" id="{30A3FB57-EC09-41D3-8179-061ED719A739}"/>
+              </a:ext>
+            </a:extLst>
+          </p:cNvPr>
+          <p:cNvPicPr>
+            <a:picLocks noChangeAspect="1"/>
+          </p:cNvPicPr>
+          <p:nvPr/>
+        </p:nvPicPr>
+        <p:blipFill>
+          <a:blip r:embed="rId2"/>
+          <a:stretch>
+            <a:fillRect/>
+          </a:stretch>
+        </p:blipFill>
+        <p:spPr>
+          <a:xfrm>
+            <a:off x="1274618" y="2040964"/>
+            <a:ext cx="3701429" cy="2776072"/>
+          </a:xfrm>
+          <a:prstGeom prst="rect">
+            <a:avLst/>
+          </a:prstGeom>
+          <a:ln>
+            <a:noFill/>
+          </a:ln>
+          <a:effectLst>
+            <a:softEdge rad="112500"/>
+          </a:effectLst>
+        </p:spPr>
+      </p:pic>
     </p:spTree>
     <p:extLst>
       <p:ext uri="{BB962C8B-B14F-4D97-AF65-F5344CB8AC3E}">

--- a/Lab 2 ppt.pptx
+++ b/Lab 2 ppt.pptx
@@ -11,10 +11,10 @@
     <p:sldId id="257" r:id="rId2"/>
     <p:sldId id="260" r:id="rId3"/>
     <p:sldId id="261" r:id="rId4"/>
-    <p:sldId id="262" r:id="rId5"/>
-    <p:sldId id="263" r:id="rId6"/>
-    <p:sldId id="264" r:id="rId7"/>
-    <p:sldId id="256" r:id="rId8"/>
+    <p:sldId id="263" r:id="rId5"/>
+    <p:sldId id="265" r:id="rId6"/>
+    <p:sldId id="266" r:id="rId7"/>
+    <p:sldId id="264" r:id="rId8"/>
   </p:sldIdLst>
   <p:sldSz cx="12192000" cy="6858000"/>
   <p:notesSz cx="6858000" cy="9144000"/>
@@ -203,7 +203,7 @@
           <a:p>
             <a:fld id="{FF95574C-6F45-6042-97A7-9BBE6C2E37B4}" type="datetimeFigureOut">
               <a:rPr lang="en-US" smtClean="0"/>
-              <a:t>10/28/2019</a:t>
+              <a:t>10/29/19</a:t>
             </a:fld>
             <a:endParaRPr lang="en-US"/>
           </a:p>
@@ -361,7 +361,7 @@
           <a:p>
             <a:fld id="{A4D9E2D8-0EC0-B547-9723-D06469090580}" type="slidenum">
               <a:rPr lang="en-US" smtClean="0"/>
-              <a:t>‹#›</a:t>
+              <a:t>‹N›</a:t>
             </a:fld>
             <a:endParaRPr lang="en-US"/>
           </a:p>
@@ -1873,7 +1873,7 @@
                 </a:solidFill>
                 <a:latin typeface="Abadi" panose="020B0604020104020204" pitchFamily="34" charset="0"/>
               </a:rPr>
-              <a:t>Text</a:t>
+              <a:t>Board</a:t>
             </a:r>
           </a:p>
         </p:txBody>
@@ -1914,7 +1914,7 @@
                 </a:solidFill>
                 <a:latin typeface="Abadi" panose="020B0604020104020204" pitchFamily="34" charset="0"/>
               </a:rPr>
-              <a:t>Text</a:t>
+              <a:t>Device</a:t>
             </a:r>
           </a:p>
         </p:txBody>
@@ -1955,7 +1955,7 @@
                 </a:solidFill>
                 <a:latin typeface="Abadi" panose="020B0604020104020204" pitchFamily="34" charset="0"/>
               </a:rPr>
-              <a:t>Text</a:t>
+              <a:t>PPG</a:t>
             </a:r>
           </a:p>
         </p:txBody>
@@ -2000,7 +2000,12 @@
             <p:ph type="title"/>
           </p:nvPr>
         </p:nvSpPr>
-        <p:spPr/>
+        <p:spPr>
+          <a:xfrm>
+            <a:off x="-1" y="614507"/>
+            <a:ext cx="3865719" cy="1325563"/>
+          </a:xfrm>
+        </p:spPr>
         <p:txBody>
           <a:bodyPr/>
           <a:lstStyle/>
@@ -2030,8 +2035,8 @@
         </p:nvSpPr>
         <p:spPr>
           <a:xfrm>
-            <a:off x="838200" y="2129742"/>
-            <a:ext cx="5134337" cy="646331"/>
+            <a:off x="768928" y="3210397"/>
+            <a:ext cx="2708564" cy="2308324"/>
           </a:xfrm>
           <a:prstGeom prst="rect">
             <a:avLst/>
@@ -2056,7 +2061,55 @@
                   </a:schemeClr>
                 </a:solidFill>
               </a:rPr>
-              <a:t>Receive BPM from the device via Arduino</a:t>
+              <a:t>Receive Pulse signal from the device via Arduino</a:t>
+            </a:r>
+          </a:p>
+          <a:p>
+            <a:pPr marL="285750" indent="-285750">
+              <a:buFont typeface="Arial" panose="020B0604020202020204" pitchFamily="34" charset="0"/>
+              <a:buChar char="•"/>
+            </a:pPr>
+            <a:r>
+              <a:rPr lang="en-US" dirty="0">
+                <a:solidFill>
+                  <a:schemeClr val="accent1">
+                    <a:lumMod val="75000"/>
+                  </a:schemeClr>
+                </a:solidFill>
+              </a:rPr>
+              <a:t>Recognize heart beat</a:t>
+            </a:r>
+          </a:p>
+          <a:p>
+            <a:pPr marL="285750" indent="-285750">
+              <a:buFont typeface="Arial" panose="020B0604020202020204" pitchFamily="34" charset="0"/>
+              <a:buChar char="•"/>
+            </a:pPr>
+            <a:r>
+              <a:rPr lang="en-US" dirty="0">
+                <a:solidFill>
+                  <a:schemeClr val="accent1">
+                    <a:lumMod val="75000"/>
+                  </a:schemeClr>
+                </a:solidFill>
+              </a:rPr>
+              <a:t>Switch on Led</a:t>
+            </a:r>
+          </a:p>
+          <a:p>
+            <a:pPr marL="285750" indent="-285750">
+              <a:buFont typeface="Arial" panose="020B0604020202020204" pitchFamily="34" charset="0"/>
+              <a:buChar char="•"/>
+            </a:pPr>
+            <a:r>
+              <a:rPr lang="en-US" dirty="0">
+                <a:solidFill>
+                  <a:schemeClr val="accent1">
+                    <a:lumMod val="75000"/>
+                  </a:schemeClr>
+                </a:solidFill>
+              </a:rPr>
+              <a:t>Send to Processing</a:t>
             </a:r>
           </a:p>
           <a:p>
@@ -2072,8 +2125,79 @@
               </a:solidFill>
             </a:endParaRPr>
           </a:p>
+          <a:p>
+            <a:pPr marL="285750" indent="-285750">
+              <a:buFont typeface="Arial" panose="020B0604020202020204" pitchFamily="34" charset="0"/>
+              <a:buChar char="•"/>
+            </a:pPr>
+            <a:endParaRPr lang="en-US" dirty="0">
+              <a:solidFill>
+                <a:schemeClr val="accent1">
+                  <a:lumMod val="75000"/>
+                </a:schemeClr>
+              </a:solidFill>
+            </a:endParaRPr>
+          </a:p>
         </p:txBody>
       </p:sp>
+      <p:pic>
+        <p:nvPicPr>
+          <p:cNvPr id="5" name="Immagine 4">
+            <a:extLst>
+              <a:ext uri="{FF2B5EF4-FFF2-40B4-BE49-F238E27FC236}">
+                <a16:creationId xmlns:a16="http://schemas.microsoft.com/office/drawing/2014/main" id="{E18651A7-BBD7-7F46-8976-BF95C7C7E352}"/>
+              </a:ext>
+            </a:extLst>
+          </p:cNvPr>
+          <p:cNvPicPr>
+            <a:picLocks noChangeAspect="1"/>
+          </p:cNvPicPr>
+          <p:nvPr/>
+        </p:nvPicPr>
+        <p:blipFill rotWithShape="1">
+          <a:blip r:embed="rId2"/>
+          <a:srcRect l="33" r="70466"/>
+          <a:stretch/>
+        </p:blipFill>
+        <p:spPr>
+          <a:xfrm>
+            <a:off x="8769927" y="0"/>
+            <a:ext cx="3422073" cy="6858000"/>
+          </a:xfrm>
+          <a:prstGeom prst="rect">
+            <a:avLst/>
+          </a:prstGeom>
+        </p:spPr>
+      </p:pic>
+      <p:pic>
+        <p:nvPicPr>
+          <p:cNvPr id="7" name="Immagine 6">
+            <a:extLst>
+              <a:ext uri="{FF2B5EF4-FFF2-40B4-BE49-F238E27FC236}">
+                <a16:creationId xmlns:a16="http://schemas.microsoft.com/office/drawing/2014/main" id="{5AFDCD29-071E-564E-B089-5A9E14E9D8F8}"/>
+              </a:ext>
+            </a:extLst>
+          </p:cNvPr>
+          <p:cNvPicPr>
+            <a:picLocks noChangeAspect="1"/>
+          </p:cNvPicPr>
+          <p:nvPr/>
+        </p:nvPicPr>
+        <p:blipFill rotWithShape="1">
+          <a:blip r:embed="rId3"/>
+          <a:srcRect r="57873"/>
+          <a:stretch/>
+        </p:blipFill>
+        <p:spPr>
+          <a:xfrm>
+            <a:off x="3865718" y="0"/>
+            <a:ext cx="4613263" cy="6789363"/>
+          </a:xfrm>
+          <a:prstGeom prst="rect">
+            <a:avLst/>
+          </a:prstGeom>
+        </p:spPr>
+      </p:pic>
     </p:spTree>
     <p:extLst>
       <p:ext uri="{BB962C8B-B14F-4D97-AF65-F5344CB8AC3E}">
@@ -2125,7 +2249,7 @@
                   <a:srgbClr val="2850A3"/>
                 </a:solidFill>
               </a:rPr>
-              <a:t>Computations</a:t>
+              <a:t>Poincare Plot and Main interface</a:t>
             </a:r>
           </a:p>
         </p:txBody>
@@ -2144,7 +2268,7 @@
         </p:nvSpPr>
         <p:spPr>
           <a:xfrm>
-            <a:off x="838200" y="2129742"/>
+            <a:off x="838200" y="1690688"/>
             <a:ext cx="5134337" cy="646331"/>
           </a:xfrm>
           <a:prstGeom prst="rect">
@@ -2170,7 +2294,7 @@
                   </a:schemeClr>
                 </a:solidFill>
               </a:rPr>
-              <a:t>Heart Rate computation and Time between beats</a:t>
+              <a:t>To show the heartrate variability:</a:t>
             </a:r>
           </a:p>
           <a:p>
@@ -2191,7 +2315,7 @@
     </p:spTree>
     <p:extLst>
       <p:ext uri="{BB962C8B-B14F-4D97-AF65-F5344CB8AC3E}">
-        <p14:creationId xmlns:p14="http://schemas.microsoft.com/office/powerpoint/2010/main" val="1614065169"/>
+        <p14:creationId xmlns:p14="http://schemas.microsoft.com/office/powerpoint/2010/main" val="552180237"/>
       </p:ext>
     </p:extLst>
   </p:cSld>
@@ -2220,7 +2344,13 @@
       </p:grpSpPr>
       <p:sp>
         <p:nvSpPr>
-          <p:cNvPr id="2" name="Title 1"/>
+          <p:cNvPr id="2" name="Titolo 1">
+            <a:extLst>
+              <a:ext uri="{FF2B5EF4-FFF2-40B4-BE49-F238E27FC236}">
+                <a16:creationId xmlns:a16="http://schemas.microsoft.com/office/drawing/2014/main" id="{273C4832-A6E7-2048-A5E2-FADBE72917B8}"/>
+              </a:ext>
+            </a:extLst>
+          </p:cNvPr>
           <p:cNvSpPr>
             <a:spLocks noGrp="1"/>
           </p:cNvSpPr>
@@ -2234,41 +2364,37 @@
           <a:lstStyle/>
           <a:p>
             <a:r>
-              <a:rPr lang="en-US" dirty="0">
-                <a:solidFill>
-                  <a:srgbClr val="2850A3"/>
-                </a:solidFill>
-              </a:rPr>
-              <a:t>Poincare Plot</a:t>
+              <a:rPr lang="it-IT" dirty="0"/>
+              <a:t>Stress Analyzer</a:t>
             </a:r>
           </a:p>
         </p:txBody>
       </p:sp>
       <p:sp>
         <p:nvSpPr>
-          <p:cNvPr id="3" name="TextBox 2">
+          <p:cNvPr id="3" name="Segnaposto contenuto 2">
             <a:extLst>
               <a:ext uri="{FF2B5EF4-FFF2-40B4-BE49-F238E27FC236}">
-                <a16:creationId xmlns:a16="http://schemas.microsoft.com/office/drawing/2014/main" id="{95868959-1DCC-274B-BBE1-02185CF253FE}"/>
+                <a16:creationId xmlns:a16="http://schemas.microsoft.com/office/drawing/2014/main" id="{781D862A-0A4A-5048-8832-B884E58662C4}"/>
               </a:ext>
             </a:extLst>
           </p:cNvPr>
-          <p:cNvSpPr txBox="1"/>
-          <p:nvPr/>
+          <p:cNvSpPr>
+            <a:spLocks noGrp="1"/>
+          </p:cNvSpPr>
+          <p:nvPr>
+            <p:ph sz="half" idx="1"/>
+          </p:nvPr>
         </p:nvSpPr>
         <p:spPr>
           <a:xfrm>
-            <a:off x="838200" y="2129742"/>
-            <a:ext cx="5134337" cy="646331"/>
-          </a:xfrm>
-          <a:prstGeom prst="rect">
-            <a:avLst/>
-          </a:prstGeom>
-          <a:noFill/>
+            <a:off x="838200" y="1825625"/>
+            <a:ext cx="3830782" cy="3577648"/>
+          </a:xfrm>
         </p:spPr>
         <p:txBody>
-          <a:bodyPr wrap="square" rtlCol="0">
-            <a:spAutoFit/>
+          <a:bodyPr>
+            <a:normAutofit/>
           </a:bodyPr>
           <a:lstStyle/>
           <a:p>
@@ -2284,7 +2410,7 @@
                   </a:schemeClr>
                 </a:solidFill>
               </a:rPr>
-              <a:t>To create the heartrate variability</a:t>
+              <a:t>Acquire baseline for 30 seconds</a:t>
             </a:r>
           </a:p>
           <a:p>
@@ -2292,20 +2418,69 @@
               <a:buFont typeface="Arial" panose="020B0604020202020204" pitchFamily="34" charset="0"/>
               <a:buChar char="•"/>
             </a:pPr>
-            <a:endParaRPr lang="en-US" dirty="0">
-              <a:solidFill>
-                <a:schemeClr val="accent1">
-                  <a:lumMod val="75000"/>
-                </a:schemeClr>
-              </a:solidFill>
-            </a:endParaRPr>
+            <a:r>
+              <a:rPr lang="en-US" dirty="0">
+                <a:solidFill>
+                  <a:schemeClr val="accent1">
+                    <a:lumMod val="75000"/>
+                  </a:schemeClr>
+                </a:solidFill>
+              </a:rPr>
+              <a:t>Check if the baseline is typical of a stressed individual</a:t>
+            </a:r>
+          </a:p>
+          <a:p>
+            <a:pPr marL="285750" indent="-285750">
+              <a:buFont typeface="Arial" panose="020B0604020202020204" pitchFamily="34" charset="0"/>
+              <a:buChar char="•"/>
+            </a:pPr>
+            <a:r>
+              <a:rPr lang="en-US" dirty="0">
+                <a:solidFill>
+                  <a:schemeClr val="accent1">
+                    <a:lumMod val="75000"/>
+                  </a:schemeClr>
+                </a:solidFill>
+              </a:rPr>
+              <a:t>Play a song to relax the person whenever she’s stressed </a:t>
+            </a:r>
+          </a:p>
+          <a:p>
+            <a:endParaRPr lang="it-IT" dirty="0"/>
+          </a:p>
+        </p:txBody>
+      </p:sp>
+      <p:sp>
+        <p:nvSpPr>
+          <p:cNvPr id="4" name="Segnaposto contenuto 3">
+            <a:extLst>
+              <a:ext uri="{FF2B5EF4-FFF2-40B4-BE49-F238E27FC236}">
+                <a16:creationId xmlns:a16="http://schemas.microsoft.com/office/drawing/2014/main" id="{2C8A5E8D-6EF2-4447-B68F-6BF7BB15C6F6}"/>
+              </a:ext>
+            </a:extLst>
+          </p:cNvPr>
+          <p:cNvSpPr>
+            <a:spLocks noGrp="1"/>
+          </p:cNvSpPr>
+          <p:nvPr>
+            <p:ph sz="half" idx="2"/>
+          </p:nvPr>
+        </p:nvSpPr>
+        <p:spPr/>
+        <p:txBody>
+          <a:bodyPr>
+            <a:normAutofit/>
+          </a:bodyPr>
+          <a:lstStyle/>
+          <a:p>
+            <a:endParaRPr lang="it-IT" dirty="0"/>
           </a:p>
         </p:txBody>
       </p:sp>
     </p:spTree>
     <p:extLst>
       <p:ext uri="{BB962C8B-B14F-4D97-AF65-F5344CB8AC3E}">
-        <p14:creationId xmlns:p14="http://schemas.microsoft.com/office/powerpoint/2010/main" val="552180237"/>
+        <p14:creationId xmlns:p14="http://schemas.microsoft.com/office/powerpoint/2010/main" val="3681404747"/>
       </p:ext>
     </p:extLst>
   </p:cSld>
@@ -2334,7 +2509,13 @@
       </p:grpSpPr>
       <p:sp>
         <p:nvSpPr>
-          <p:cNvPr id="2" name="Title 1"/>
+          <p:cNvPr id="2" name="Titolo 1">
+            <a:extLst>
+              <a:ext uri="{FF2B5EF4-FFF2-40B4-BE49-F238E27FC236}">
+                <a16:creationId xmlns:a16="http://schemas.microsoft.com/office/drawing/2014/main" id="{C0F3E54B-E1F1-BE41-A6F2-72ED41AF25FB}"/>
+              </a:ext>
+            </a:extLst>
+          </p:cNvPr>
           <p:cNvSpPr>
             <a:spLocks noGrp="1"/>
           </p:cNvSpPr>
@@ -2348,98 +2529,120 @@
           <a:lstStyle/>
           <a:p>
             <a:r>
-              <a:rPr lang="en-US" dirty="0">
-                <a:solidFill>
-                  <a:srgbClr val="2850A3"/>
-                </a:solidFill>
-              </a:rPr>
-              <a:t>Final Device</a:t>
-            </a:r>
+              <a:rPr lang="it-IT" dirty="0" err="1"/>
+              <a:t>Meditation</a:t>
+            </a:r>
+            <a:r>
+              <a:rPr lang="it-IT" dirty="0"/>
+              <a:t> </a:t>
+            </a:r>
+            <a:r>
+              <a:rPr lang="it-IT" dirty="0" err="1"/>
+              <a:t>analyzer</a:t>
+            </a:r>
+            <a:endParaRPr lang="it-IT" dirty="0"/>
           </a:p>
         </p:txBody>
       </p:sp>
       <p:sp>
         <p:nvSpPr>
-          <p:cNvPr id="3" name="TextBox 2">
+          <p:cNvPr id="3" name="Segnaposto contenuto 2">
             <a:extLst>
               <a:ext uri="{FF2B5EF4-FFF2-40B4-BE49-F238E27FC236}">
-                <a16:creationId xmlns:a16="http://schemas.microsoft.com/office/drawing/2014/main" id="{95868959-1DCC-274B-BBE1-02185CF253FE}"/>
+                <a16:creationId xmlns:a16="http://schemas.microsoft.com/office/drawing/2014/main" id="{0AF842CA-DC89-E146-B8FF-0C229FF1EE72}"/>
               </a:ext>
             </a:extLst>
           </p:cNvPr>
-          <p:cNvSpPr txBox="1"/>
-          <p:nvPr/>
+          <p:cNvSpPr>
+            <a:spLocks noGrp="1"/>
+          </p:cNvSpPr>
+          <p:nvPr>
+            <p:ph sz="half" idx="1"/>
+          </p:nvPr>
         </p:nvSpPr>
-        <p:spPr>
-          <a:xfrm>
-            <a:off x="1274618" y="4749066"/>
-            <a:ext cx="3701430" cy="369332"/>
-          </a:xfrm>
-          <a:prstGeom prst="rect">
-            <a:avLst/>
-          </a:prstGeom>
-          <a:noFill/>
-        </p:spPr>
+        <p:spPr/>
         <p:txBody>
-          <a:bodyPr wrap="square" rtlCol="0">
-            <a:spAutoFit/>
-          </a:bodyPr>
+          <a:bodyPr/>
           <a:lstStyle/>
           <a:p>
-            <a:pPr algn="ctr"/>
-            <a:r>
-              <a:rPr lang="en-US" b="1" dirty="0">
+            <a:pPr marL="285750" indent="-285750">
+              <a:buFont typeface="Arial" panose="020B0604020202020204" pitchFamily="34" charset="0"/>
+              <a:buChar char="•"/>
+            </a:pPr>
+            <a:r>
+              <a:rPr lang="en-US" dirty="0">
                 <a:solidFill>
                   <a:schemeClr val="accent1">
                     <a:lumMod val="75000"/>
                   </a:schemeClr>
                 </a:solidFill>
               </a:rPr>
-              <a:t>Housing of the device</a:t>
+              <a:t>Acquire baseline for 30 seconds</a:t>
+            </a:r>
+          </a:p>
+          <a:p>
+            <a:pPr marL="285750" indent="-285750">
+              <a:buFont typeface="Arial" panose="020B0604020202020204" pitchFamily="34" charset="0"/>
+              <a:buChar char="•"/>
+            </a:pPr>
+            <a:r>
+              <a:rPr lang="en-US" dirty="0">
+                <a:solidFill>
+                  <a:schemeClr val="accent1">
+                    <a:lumMod val="75000"/>
+                  </a:schemeClr>
+                </a:solidFill>
+              </a:rPr>
+              <a:t>Check if the person heart beat is stable under a threshold</a:t>
+            </a:r>
+          </a:p>
+          <a:p>
+            <a:pPr marL="285750" indent="-285750">
+              <a:buFont typeface="Arial" panose="020B0604020202020204" pitchFamily="34" charset="0"/>
+              <a:buChar char="•"/>
+            </a:pPr>
+            <a:r>
+              <a:rPr lang="en-US" dirty="0">
+                <a:solidFill>
+                  <a:schemeClr val="accent1">
+                    <a:lumMod val="75000"/>
+                  </a:schemeClr>
+                </a:solidFill>
+              </a:rPr>
+              <a:t>Remind her to relax if it is not under a threshold for 3 consecutive heart beats</a:t>
             </a:r>
           </a:p>
         </p:txBody>
       </p:sp>
-      <p:pic>
-        <p:nvPicPr>
-          <p:cNvPr id="7" name="Picture 6" descr="A picture containing indoor, sitting, table, small&#10;&#10;Description automatically generated">
+      <p:sp>
+        <p:nvSpPr>
+          <p:cNvPr id="4" name="Segnaposto contenuto 3">
             <a:extLst>
               <a:ext uri="{FF2B5EF4-FFF2-40B4-BE49-F238E27FC236}">
-                <a16:creationId xmlns:a16="http://schemas.microsoft.com/office/drawing/2014/main" id="{30A3FB57-EC09-41D3-8179-061ED719A739}"/>
+                <a16:creationId xmlns:a16="http://schemas.microsoft.com/office/drawing/2014/main" id="{1147E505-292C-E34F-8EEC-C548561567F8}"/>
               </a:ext>
             </a:extLst>
           </p:cNvPr>
-          <p:cNvPicPr>
-            <a:picLocks noChangeAspect="1"/>
-          </p:cNvPicPr>
-          <p:nvPr/>
-        </p:nvPicPr>
-        <p:blipFill>
-          <a:blip r:embed="rId2"/>
-          <a:stretch>
-            <a:fillRect/>
-          </a:stretch>
-        </p:blipFill>
-        <p:spPr>
-          <a:xfrm>
-            <a:off x="1274618" y="2040964"/>
-            <a:ext cx="3701429" cy="2776072"/>
-          </a:xfrm>
-          <a:prstGeom prst="rect">
-            <a:avLst/>
-          </a:prstGeom>
-          <a:ln>
-            <a:noFill/>
-          </a:ln>
-          <a:effectLst>
-            <a:softEdge rad="112500"/>
-          </a:effectLst>
-        </p:spPr>
-      </p:pic>
+          <p:cNvSpPr>
+            <a:spLocks noGrp="1"/>
+          </p:cNvSpPr>
+          <p:nvPr>
+            <p:ph sz="half" idx="2"/>
+          </p:nvPr>
+        </p:nvSpPr>
+        <p:spPr/>
+        <p:txBody>
+          <a:bodyPr/>
+          <a:lstStyle/>
+          <a:p>
+            <a:endParaRPr lang="it-IT"/>
+          </a:p>
+        </p:txBody>
+      </p:sp>
     </p:spTree>
     <p:extLst>
       <p:ext uri="{BB962C8B-B14F-4D97-AF65-F5344CB8AC3E}">
-        <p14:creationId xmlns:p14="http://schemas.microsoft.com/office/powerpoint/2010/main" val="2815084926"/>
+        <p14:creationId xmlns:p14="http://schemas.microsoft.com/office/powerpoint/2010/main" val="2729984357"/>
       </p:ext>
     </p:extLst>
   </p:cSld>
@@ -2473,62 +2676,107 @@
             <a:spLocks noGrp="1"/>
           </p:cNvSpPr>
           <p:nvPr>
-            <p:ph type="ctrTitle"/>
+            <p:ph type="title"/>
           </p:nvPr>
         </p:nvSpPr>
-        <p:spPr>
-          <a:xfrm>
-            <a:off x="0" y="1122363"/>
-            <a:ext cx="12192000" cy="1034683"/>
-          </a:xfrm>
-        </p:spPr>
+        <p:spPr/>
         <p:txBody>
-          <a:bodyPr>
-            <a:normAutofit/>
-          </a:bodyPr>
+          <a:bodyPr/>
           <a:lstStyle/>
           <a:p>
             <a:r>
-              <a:rPr lang="en-US"/>
-              <a:t>QUESTIONS</a:t>
-            </a:r>
-            <a:endParaRPr lang="en-US" dirty="0"/>
+              <a:rPr lang="en-US" dirty="0">
+                <a:solidFill>
+                  <a:srgbClr val="2850A3"/>
+                </a:solidFill>
+              </a:rPr>
+              <a:t>Final Device</a:t>
+            </a:r>
           </a:p>
         </p:txBody>
       </p:sp>
       <p:sp>
         <p:nvSpPr>
-          <p:cNvPr id="3" name="Subtitle 2"/>
-          <p:cNvSpPr>
-            <a:spLocks noGrp="1"/>
-          </p:cNvSpPr>
-          <p:nvPr>
-            <p:ph type="subTitle" idx="1"/>
-          </p:nvPr>
+          <p:cNvPr id="3" name="TextBox 2">
+            <a:extLst>
+              <a:ext uri="{FF2B5EF4-FFF2-40B4-BE49-F238E27FC236}">
+                <a16:creationId xmlns:a16="http://schemas.microsoft.com/office/drawing/2014/main" id="{95868959-1DCC-274B-BBE1-02185CF253FE}"/>
+              </a:ext>
+            </a:extLst>
+          </p:cNvPr>
+          <p:cNvSpPr txBox="1"/>
+          <p:nvPr/>
         </p:nvSpPr>
         <p:spPr>
           <a:xfrm>
-            <a:off x="0" y="5404337"/>
-            <a:ext cx="12192000" cy="369277"/>
-          </a:xfrm>
+            <a:off x="1274618" y="4749066"/>
+            <a:ext cx="3701430" cy="369332"/>
+          </a:xfrm>
+          <a:prstGeom prst="rect">
+            <a:avLst/>
+          </a:prstGeom>
+          <a:noFill/>
         </p:spPr>
         <p:txBody>
-          <a:bodyPr>
-            <a:normAutofit fontScale="92500" lnSpcReduction="10000"/>
+          <a:bodyPr wrap="square" rtlCol="0">
+            <a:spAutoFit/>
           </a:bodyPr>
           <a:lstStyle/>
           <a:p>
-            <a:r>
-              <a:rPr lang="en-US" dirty="0"/>
-              <a:t>College of Name  |  Department of Name</a:t>
+            <a:pPr algn="ctr"/>
+            <a:r>
+              <a:rPr lang="en-US" b="1" dirty="0">
+                <a:solidFill>
+                  <a:schemeClr val="accent1">
+                    <a:lumMod val="75000"/>
+                  </a:schemeClr>
+                </a:solidFill>
+              </a:rPr>
+              <a:t>Housing of the device</a:t>
             </a:r>
           </a:p>
         </p:txBody>
       </p:sp>
+      <p:pic>
+        <p:nvPicPr>
+          <p:cNvPr id="7" name="Picture 6" descr="A picture containing indoor, sitting, table, small&#10;&#10;Description automatically generated">
+            <a:extLst>
+              <a:ext uri="{FF2B5EF4-FFF2-40B4-BE49-F238E27FC236}">
+                <a16:creationId xmlns:a16="http://schemas.microsoft.com/office/drawing/2014/main" id="{30A3FB57-EC09-41D3-8179-061ED719A739}"/>
+              </a:ext>
+            </a:extLst>
+          </p:cNvPr>
+          <p:cNvPicPr>
+            <a:picLocks noChangeAspect="1"/>
+          </p:cNvPicPr>
+          <p:nvPr/>
+        </p:nvPicPr>
+        <p:blipFill>
+          <a:blip r:embed="rId2"/>
+          <a:stretch>
+            <a:fillRect/>
+          </a:stretch>
+        </p:blipFill>
+        <p:spPr>
+          <a:xfrm>
+            <a:off x="1274618" y="2040964"/>
+            <a:ext cx="3701429" cy="2776072"/>
+          </a:xfrm>
+          <a:prstGeom prst="rect">
+            <a:avLst/>
+          </a:prstGeom>
+          <a:ln>
+            <a:noFill/>
+          </a:ln>
+          <a:effectLst>
+            <a:softEdge rad="112500"/>
+          </a:effectLst>
+        </p:spPr>
+      </p:pic>
     </p:spTree>
     <p:extLst>
       <p:ext uri="{BB962C8B-B14F-4D97-AF65-F5344CB8AC3E}">
-        <p14:creationId xmlns:p14="http://schemas.microsoft.com/office/powerpoint/2010/main" val="870886731"/>
+        <p14:creationId xmlns:p14="http://schemas.microsoft.com/office/powerpoint/2010/main" val="2815084926"/>
       </p:ext>
     </p:extLst>
   </p:cSld>

--- a/Lab 2 ppt.pptx
+++ b/Lab 2 ppt.pptx
@@ -2679,7 +2679,12 @@
             <p:ph type="title"/>
           </p:nvPr>
         </p:nvSpPr>
-        <p:spPr/>
+        <p:spPr>
+          <a:xfrm>
+            <a:off x="838200" y="365125"/>
+            <a:ext cx="4309256" cy="1325563"/>
+          </a:xfrm>
+        </p:spPr>
         <p:txBody>
           <a:bodyPr/>
           <a:lstStyle/>
@@ -2695,54 +2700,12 @@
           </a:p>
         </p:txBody>
       </p:sp>
-      <p:sp>
-        <p:nvSpPr>
-          <p:cNvPr id="3" name="TextBox 2">
+      <p:pic>
+        <p:nvPicPr>
+          <p:cNvPr id="5" name="Immagine 4">
             <a:extLst>
               <a:ext uri="{FF2B5EF4-FFF2-40B4-BE49-F238E27FC236}">
-                <a16:creationId xmlns:a16="http://schemas.microsoft.com/office/drawing/2014/main" id="{95868959-1DCC-274B-BBE1-02185CF253FE}"/>
-              </a:ext>
-            </a:extLst>
-          </p:cNvPr>
-          <p:cNvSpPr txBox="1"/>
-          <p:nvPr/>
-        </p:nvSpPr>
-        <p:spPr>
-          <a:xfrm>
-            <a:off x="1274618" y="4749066"/>
-            <a:ext cx="3701430" cy="369332"/>
-          </a:xfrm>
-          <a:prstGeom prst="rect">
-            <a:avLst/>
-          </a:prstGeom>
-          <a:noFill/>
-        </p:spPr>
-        <p:txBody>
-          <a:bodyPr wrap="square" rtlCol="0">
-            <a:spAutoFit/>
-          </a:bodyPr>
-          <a:lstStyle/>
-          <a:p>
-            <a:pPr algn="ctr"/>
-            <a:r>
-              <a:rPr lang="en-US" b="1" dirty="0">
-                <a:solidFill>
-                  <a:schemeClr val="accent1">
-                    <a:lumMod val="75000"/>
-                  </a:schemeClr>
-                </a:solidFill>
-              </a:rPr>
-              <a:t>Housing of the device</a:t>
-            </a:r>
-          </a:p>
-        </p:txBody>
-      </p:sp>
-      <p:pic>
-        <p:nvPicPr>
-          <p:cNvPr id="7" name="Picture 6" descr="A picture containing indoor, sitting, table, small&#10;&#10;Description automatically generated">
-            <a:extLst>
-              <a:ext uri="{FF2B5EF4-FFF2-40B4-BE49-F238E27FC236}">
-                <a16:creationId xmlns:a16="http://schemas.microsoft.com/office/drawing/2014/main" id="{30A3FB57-EC09-41D3-8179-061ED719A739}"/>
+                <a16:creationId xmlns:a16="http://schemas.microsoft.com/office/drawing/2014/main" id="{19E90E71-96EA-8D48-9473-F346065F4FFD}"/>
               </a:ext>
             </a:extLst>
           </p:cNvPr>
@@ -2759,20 +2722,56 @@
         </p:blipFill>
         <p:spPr>
           <a:xfrm>
-            <a:off x="1274618" y="2040964"/>
-            <a:ext cx="3701429" cy="2776072"/>
+            <a:off x="6900531" y="190565"/>
+            <a:ext cx="4139606" cy="6476870"/>
           </a:xfrm>
           <a:prstGeom prst="rect">
             <a:avLst/>
           </a:prstGeom>
-          <a:ln>
-            <a:noFill/>
-          </a:ln>
-          <a:effectLst>
-            <a:softEdge rad="112500"/>
-          </a:effectLst>
         </p:spPr>
       </p:pic>
+      <p:sp>
+        <p:nvSpPr>
+          <p:cNvPr id="8" name="TextBox 2">
+            <a:extLst>
+              <a:ext uri="{FF2B5EF4-FFF2-40B4-BE49-F238E27FC236}">
+                <a16:creationId xmlns:a16="http://schemas.microsoft.com/office/drawing/2014/main" id="{EA9A6696-661F-D64D-80F8-0D8BEC8FE69C}"/>
+              </a:ext>
+            </a:extLst>
+          </p:cNvPr>
+          <p:cNvSpPr txBox="1"/>
+          <p:nvPr/>
+        </p:nvSpPr>
+        <p:spPr>
+          <a:xfrm>
+            <a:off x="1492573" y="2951946"/>
+            <a:ext cx="4427988" cy="954107"/>
+          </a:xfrm>
+          <a:prstGeom prst="rect">
+            <a:avLst/>
+          </a:prstGeom>
+          <a:noFill/>
+        </p:spPr>
+        <p:txBody>
+          <a:bodyPr wrap="square" rtlCol="0">
+            <a:spAutoFit/>
+          </a:bodyPr>
+          <a:lstStyle/>
+          <a:p>
+            <a:pPr algn="ctr"/>
+            <a:r>
+              <a:rPr lang="en-US" sz="2800" b="1" dirty="0">
+                <a:solidFill>
+                  <a:schemeClr val="accent1">
+                    <a:lumMod val="75000"/>
+                  </a:schemeClr>
+                </a:solidFill>
+              </a:rPr>
+              <a:t>A smart band with a wrist band</a:t>
+            </a:r>
+          </a:p>
+        </p:txBody>
+      </p:sp>
     </p:spTree>
     <p:extLst>
       <p:ext uri="{BB962C8B-B14F-4D97-AF65-F5344CB8AC3E}">
